--- a/shinyapp/www/images/Présentation1.pptx
+++ b/shinyapp/www/images/Présentation1.pptx
@@ -243,7 +243,7 @@
           <a:p>
             <a:fld id="{C524EBDC-E5BE-4DCF-AFFF-0DBD7F72BCA0}" type="datetimeFigureOut">
               <a:rPr lang="fr-FR" smtClean="0"/>
-              <a:t>08/01/2025</a:t>
+              <a:t>14/01/2025</a:t>
             </a:fld>
             <a:endParaRPr lang="fr-FR"/>
           </a:p>
@@ -413,7 +413,7 @@
           <a:p>
             <a:fld id="{C524EBDC-E5BE-4DCF-AFFF-0DBD7F72BCA0}" type="datetimeFigureOut">
               <a:rPr lang="fr-FR" smtClean="0"/>
-              <a:t>08/01/2025</a:t>
+              <a:t>14/01/2025</a:t>
             </a:fld>
             <a:endParaRPr lang="fr-FR"/>
           </a:p>
@@ -593,7 +593,7 @@
           <a:p>
             <a:fld id="{C524EBDC-E5BE-4DCF-AFFF-0DBD7F72BCA0}" type="datetimeFigureOut">
               <a:rPr lang="fr-FR" smtClean="0"/>
-              <a:t>08/01/2025</a:t>
+              <a:t>14/01/2025</a:t>
             </a:fld>
             <a:endParaRPr lang="fr-FR"/>
           </a:p>
@@ -763,7 +763,7 @@
           <a:p>
             <a:fld id="{C524EBDC-E5BE-4DCF-AFFF-0DBD7F72BCA0}" type="datetimeFigureOut">
               <a:rPr lang="fr-FR" smtClean="0"/>
-              <a:t>08/01/2025</a:t>
+              <a:t>14/01/2025</a:t>
             </a:fld>
             <a:endParaRPr lang="fr-FR"/>
           </a:p>
@@ -1009,7 +1009,7 @@
           <a:p>
             <a:fld id="{C524EBDC-E5BE-4DCF-AFFF-0DBD7F72BCA0}" type="datetimeFigureOut">
               <a:rPr lang="fr-FR" smtClean="0"/>
-              <a:t>08/01/2025</a:t>
+              <a:t>14/01/2025</a:t>
             </a:fld>
             <a:endParaRPr lang="fr-FR"/>
           </a:p>
@@ -1241,7 +1241,7 @@
           <a:p>
             <a:fld id="{C524EBDC-E5BE-4DCF-AFFF-0DBD7F72BCA0}" type="datetimeFigureOut">
               <a:rPr lang="fr-FR" smtClean="0"/>
-              <a:t>08/01/2025</a:t>
+              <a:t>14/01/2025</a:t>
             </a:fld>
             <a:endParaRPr lang="fr-FR"/>
           </a:p>
@@ -1608,7 +1608,7 @@
           <a:p>
             <a:fld id="{C524EBDC-E5BE-4DCF-AFFF-0DBD7F72BCA0}" type="datetimeFigureOut">
               <a:rPr lang="fr-FR" smtClean="0"/>
-              <a:t>08/01/2025</a:t>
+              <a:t>14/01/2025</a:t>
             </a:fld>
             <a:endParaRPr lang="fr-FR"/>
           </a:p>
@@ -1726,7 +1726,7 @@
           <a:p>
             <a:fld id="{C524EBDC-E5BE-4DCF-AFFF-0DBD7F72BCA0}" type="datetimeFigureOut">
               <a:rPr lang="fr-FR" smtClean="0"/>
-              <a:t>08/01/2025</a:t>
+              <a:t>14/01/2025</a:t>
             </a:fld>
             <a:endParaRPr lang="fr-FR"/>
           </a:p>
@@ -1821,7 +1821,7 @@
           <a:p>
             <a:fld id="{C524EBDC-E5BE-4DCF-AFFF-0DBD7F72BCA0}" type="datetimeFigureOut">
               <a:rPr lang="fr-FR" smtClean="0"/>
-              <a:t>08/01/2025</a:t>
+              <a:t>14/01/2025</a:t>
             </a:fld>
             <a:endParaRPr lang="fr-FR"/>
           </a:p>
@@ -2098,7 +2098,7 @@
           <a:p>
             <a:fld id="{C524EBDC-E5BE-4DCF-AFFF-0DBD7F72BCA0}" type="datetimeFigureOut">
               <a:rPr lang="fr-FR" smtClean="0"/>
-              <a:t>08/01/2025</a:t>
+              <a:t>14/01/2025</a:t>
             </a:fld>
             <a:endParaRPr lang="fr-FR"/>
           </a:p>
@@ -2351,7 +2351,7 @@
           <a:p>
             <a:fld id="{C524EBDC-E5BE-4DCF-AFFF-0DBD7F72BCA0}" type="datetimeFigureOut">
               <a:rPr lang="fr-FR" smtClean="0"/>
-              <a:t>08/01/2025</a:t>
+              <a:t>14/01/2025</a:t>
             </a:fld>
             <a:endParaRPr lang="fr-FR"/>
           </a:p>
@@ -2564,7 +2564,7 @@
           <a:p>
             <a:fld id="{C524EBDC-E5BE-4DCF-AFFF-0DBD7F72BCA0}" type="datetimeFigureOut">
               <a:rPr lang="fr-FR" smtClean="0"/>
-              <a:t>08/01/2025</a:t>
+              <a:t>14/01/2025</a:t>
             </a:fld>
             <a:endParaRPr lang="fr-FR"/>
           </a:p>
@@ -2971,7 +2971,7 @@
       </p:grpSpPr>
       <p:pic>
         <p:nvPicPr>
-          <p:cNvPr id="4" name="Image 3"/>
+          <p:cNvPr id="6" name="Image 5"/>
           <p:cNvPicPr>
             <a:picLocks noChangeAspect="1"/>
           </p:cNvPicPr>
@@ -2979,36 +2979,6 @@
         </p:nvPicPr>
         <p:blipFill>
           <a:blip r:embed="rId2">
-            <a:extLst>
-              <a:ext uri="{28A0092B-C50C-407E-A947-70E740481C1C}">
-                <a14:useLocalDpi xmlns:a14="http://schemas.microsoft.com/office/drawing/2010/main" val="0"/>
-              </a:ext>
-            </a:extLst>
-          </a:blip>
-          <a:stretch>
-            <a:fillRect/>
-          </a:stretch>
-        </p:blipFill>
-        <p:spPr>
-          <a:xfrm>
-            <a:off x="422979" y="336446"/>
-            <a:ext cx="3153018" cy="1997155"/>
-          </a:xfrm>
-          <a:prstGeom prst="rect">
-            <a:avLst/>
-          </a:prstGeom>
-        </p:spPr>
-      </p:pic>
-      <p:pic>
-        <p:nvPicPr>
-          <p:cNvPr id="6" name="Image 5"/>
-          <p:cNvPicPr>
-            <a:picLocks noChangeAspect="1"/>
-          </p:cNvPicPr>
-          <p:nvPr/>
-        </p:nvPicPr>
-        <p:blipFill>
-          <a:blip r:embed="rId3">
             <a:extLst>
               <a:ext uri="{28A0092B-C50C-407E-A947-70E740481C1C}">
                 <a14:useLocalDpi xmlns:a14="http://schemas.microsoft.com/office/drawing/2010/main" val="0"/>
@@ -3031,36 +3001,6 @@
       </p:pic>
       <p:pic>
         <p:nvPicPr>
-          <p:cNvPr id="7" name="Image 6"/>
-          <p:cNvPicPr>
-            <a:picLocks noChangeAspect="1"/>
-          </p:cNvPicPr>
-          <p:nvPr/>
-        </p:nvPicPr>
-        <p:blipFill>
-          <a:blip r:embed="rId4" cstate="print">
-            <a:extLst>
-              <a:ext uri="{28A0092B-C50C-407E-A947-70E740481C1C}">
-                <a14:useLocalDpi xmlns:a14="http://schemas.microsoft.com/office/drawing/2010/main" val="0"/>
-              </a:ext>
-            </a:extLst>
-          </a:blip>
-          <a:stretch>
-            <a:fillRect/>
-          </a:stretch>
-        </p:blipFill>
-        <p:spPr>
-          <a:xfrm>
-            <a:off x="597487" y="2823615"/>
-            <a:ext cx="2351699" cy="1236322"/>
-          </a:xfrm>
-          <a:prstGeom prst="rect">
-            <a:avLst/>
-          </a:prstGeom>
-        </p:spPr>
-      </p:pic>
-      <p:pic>
-        <p:nvPicPr>
           <p:cNvPr id="2" name="Image 1"/>
           <p:cNvPicPr>
             <a:picLocks noChangeAspect="1"/>
@@ -3068,7 +3008,7 @@
           <p:nvPr/>
         </p:nvPicPr>
         <p:blipFill>
-          <a:blip r:embed="rId5">
+          <a:blip r:embed="rId3">
             <a:extLst>
               <a:ext uri="{28A0092B-C50C-407E-A947-70E740481C1C}">
                 <a14:useLocalDpi xmlns:a14="http://schemas.microsoft.com/office/drawing/2010/main" val="0"/>
@@ -3089,6 +3029,188 @@
           </a:prstGeom>
         </p:spPr>
       </p:pic>
+      <p:grpSp>
+        <p:nvGrpSpPr>
+          <p:cNvPr id="5" name="Groupe 4"/>
+          <p:cNvGrpSpPr/>
+          <p:nvPr/>
+        </p:nvGrpSpPr>
+        <p:grpSpPr>
+          <a:xfrm>
+            <a:off x="627961" y="3415229"/>
+            <a:ext cx="2379644" cy="1432192"/>
+            <a:chOff x="3213443" y="3787447"/>
+            <a:chExt cx="2379644" cy="1432192"/>
+          </a:xfrm>
+        </p:grpSpPr>
+        <p:sp>
+          <p:nvSpPr>
+            <p:cNvPr id="8" name="Rectangle 7"/>
+            <p:cNvSpPr/>
+            <p:nvPr/>
+          </p:nvSpPr>
+          <p:spPr>
+            <a:xfrm>
+              <a:off x="3213443" y="3787447"/>
+              <a:ext cx="2379644" cy="1432192"/>
+            </a:xfrm>
+            <a:prstGeom prst="rect">
+              <a:avLst/>
+            </a:prstGeom>
+            <a:solidFill>
+              <a:schemeClr val="bg1"/>
+            </a:solidFill>
+            <a:ln>
+              <a:noFill/>
+            </a:ln>
+          </p:spPr>
+          <p:style>
+            <a:lnRef idx="2">
+              <a:schemeClr val="accent1">
+                <a:shade val="50000"/>
+              </a:schemeClr>
+            </a:lnRef>
+            <a:fillRef idx="1">
+              <a:schemeClr val="accent1"/>
+            </a:fillRef>
+            <a:effectRef idx="0">
+              <a:schemeClr val="accent1"/>
+            </a:effectRef>
+            <a:fontRef idx="minor">
+              <a:schemeClr val="lt1"/>
+            </a:fontRef>
+          </p:style>
+          <p:txBody>
+            <a:bodyPr rtlCol="0" anchor="ctr"/>
+            <a:lstStyle/>
+            <a:p>
+              <a:pPr algn="ctr"/>
+              <a:endParaRPr lang="fr-FR"/>
+            </a:p>
+          </p:txBody>
+        </p:sp>
+        <p:pic>
+          <p:nvPicPr>
+            <p:cNvPr id="7" name="Image 6"/>
+            <p:cNvPicPr>
+              <a:picLocks noChangeAspect="1"/>
+            </p:cNvPicPr>
+            <p:nvPr/>
+          </p:nvPicPr>
+          <p:blipFill>
+            <a:blip r:embed="rId4" cstate="print">
+              <a:extLst>
+                <a:ext uri="{28A0092B-C50C-407E-A947-70E740481C1C}">
+                  <a14:useLocalDpi xmlns:a14="http://schemas.microsoft.com/office/drawing/2010/main" val="0"/>
+                </a:ext>
+              </a:extLst>
+            </a:blip>
+            <a:stretch>
+              <a:fillRect/>
+            </a:stretch>
+          </p:blipFill>
+          <p:spPr>
+            <a:xfrm>
+              <a:off x="3419944" y="3986597"/>
+              <a:ext cx="1966642" cy="1033892"/>
+            </a:xfrm>
+            <a:prstGeom prst="rect">
+              <a:avLst/>
+            </a:prstGeom>
+          </p:spPr>
+        </p:pic>
+      </p:grpSp>
+      <p:grpSp>
+        <p:nvGrpSpPr>
+          <p:cNvPr id="9" name="Groupe 8"/>
+          <p:cNvGrpSpPr/>
+          <p:nvPr/>
+        </p:nvGrpSpPr>
+        <p:grpSpPr>
+          <a:xfrm>
+            <a:off x="8431919" y="1714869"/>
+            <a:ext cx="3153018" cy="1997155"/>
+            <a:chOff x="8431919" y="1714869"/>
+            <a:chExt cx="3153018" cy="1997155"/>
+          </a:xfrm>
+        </p:grpSpPr>
+        <p:sp>
+          <p:nvSpPr>
+            <p:cNvPr id="3" name="Rectangle 2"/>
+            <p:cNvSpPr/>
+            <p:nvPr/>
+          </p:nvSpPr>
+          <p:spPr>
+            <a:xfrm>
+              <a:off x="8431919" y="1714869"/>
+              <a:ext cx="3153018" cy="1997155"/>
+            </a:xfrm>
+            <a:prstGeom prst="rect">
+              <a:avLst/>
+            </a:prstGeom>
+            <a:solidFill>
+              <a:schemeClr val="bg1"/>
+            </a:solidFill>
+            <a:ln>
+              <a:noFill/>
+            </a:ln>
+          </p:spPr>
+          <p:style>
+            <a:lnRef idx="2">
+              <a:schemeClr val="accent1">
+                <a:shade val="50000"/>
+              </a:schemeClr>
+            </a:lnRef>
+            <a:fillRef idx="1">
+              <a:schemeClr val="accent1"/>
+            </a:fillRef>
+            <a:effectRef idx="0">
+              <a:schemeClr val="accent1"/>
+            </a:effectRef>
+            <a:fontRef idx="minor">
+              <a:schemeClr val="lt1"/>
+            </a:fontRef>
+          </p:style>
+          <p:txBody>
+            <a:bodyPr rtlCol="0" anchor="ctr"/>
+            <a:lstStyle/>
+            <a:p>
+              <a:pPr algn="ctr"/>
+              <a:endParaRPr lang="fr-FR"/>
+            </a:p>
+          </p:txBody>
+        </p:sp>
+        <p:pic>
+          <p:nvPicPr>
+            <p:cNvPr id="4" name="Image 3"/>
+            <p:cNvPicPr>
+              <a:picLocks noChangeAspect="1"/>
+            </p:cNvPicPr>
+            <p:nvPr/>
+          </p:nvPicPr>
+          <p:blipFill>
+            <a:blip r:embed="rId5">
+              <a:extLst>
+                <a:ext uri="{28A0092B-C50C-407E-A947-70E740481C1C}">
+                  <a14:useLocalDpi xmlns:a14="http://schemas.microsoft.com/office/drawing/2010/main" val="0"/>
+                </a:ext>
+              </a:extLst>
+            </a:blip>
+            <a:stretch>
+              <a:fillRect/>
+            </a:stretch>
+          </p:blipFill>
+          <p:spPr>
+            <a:xfrm>
+              <a:off x="8692456" y="1914584"/>
+              <a:ext cx="2626770" cy="1663824"/>
+            </a:xfrm>
+            <a:prstGeom prst="rect">
+              <a:avLst/>
+            </a:prstGeom>
+          </p:spPr>
+        </p:pic>
+      </p:grpSp>
     </p:spTree>
     <p:extLst>
       <p:ext uri="{BB962C8B-B14F-4D97-AF65-F5344CB8AC3E}">
